--- a/Mapa de Sitio.pptx
+++ b/Mapa de Sitio.pptx
@@ -300,7 +300,7 @@
           <a:p>
             <a:fld id="{F83ED8EA-CF69-45C9-8597-89BC314A185D}" type="datetimeFigureOut">
               <a:rPr lang="es-AR" smtClean="0"/>
-              <a:t>12/10/2021</a:t>
+              <a:t>23/11/2021</a:t>
             </a:fld>
             <a:endParaRPr lang="es-AR" dirty="0"/>
           </a:p>
@@ -638,7 +638,7 @@
           <a:p>
             <a:fld id="{F83ED8EA-CF69-45C9-8597-89BC314A185D}" type="datetimeFigureOut">
               <a:rPr lang="es-AR" smtClean="0"/>
-              <a:t>12/10/2021</a:t>
+              <a:t>23/11/2021</a:t>
             </a:fld>
             <a:endParaRPr lang="es-AR" dirty="0"/>
           </a:p>
@@ -1039,7 +1039,7 @@
           <a:p>
             <a:fld id="{F83ED8EA-CF69-45C9-8597-89BC314A185D}" type="datetimeFigureOut">
               <a:rPr lang="es-AR" smtClean="0"/>
-              <a:t>12/10/2021</a:t>
+              <a:t>23/11/2021</a:t>
             </a:fld>
             <a:endParaRPr lang="es-AR" dirty="0"/>
           </a:p>
@@ -1375,7 +1375,7 @@
           <a:p>
             <a:fld id="{F83ED8EA-CF69-45C9-8597-89BC314A185D}" type="datetimeFigureOut">
               <a:rPr lang="es-AR" smtClean="0"/>
-              <a:t>12/10/2021</a:t>
+              <a:t>23/11/2021</a:t>
             </a:fld>
             <a:endParaRPr lang="es-AR" dirty="0"/>
           </a:p>
@@ -1695,7 +1695,7 @@
           <a:p>
             <a:fld id="{F83ED8EA-CF69-45C9-8597-89BC314A185D}" type="datetimeFigureOut">
               <a:rPr lang="es-AR" smtClean="0"/>
-              <a:t>12/10/2021</a:t>
+              <a:t>23/11/2021</a:t>
             </a:fld>
             <a:endParaRPr lang="es-AR" dirty="0"/>
           </a:p>
@@ -2091,7 +2091,7 @@
           <a:p>
             <a:fld id="{F83ED8EA-CF69-45C9-8597-89BC314A185D}" type="datetimeFigureOut">
               <a:rPr lang="es-AR" smtClean="0"/>
-              <a:t>12/10/2021</a:t>
+              <a:t>23/11/2021</a:t>
             </a:fld>
             <a:endParaRPr lang="es-AR" dirty="0"/>
           </a:p>
@@ -2348,7 +2348,7 @@
           <a:p>
             <a:fld id="{F83ED8EA-CF69-45C9-8597-89BC314A185D}" type="datetimeFigureOut">
               <a:rPr lang="es-AR" smtClean="0"/>
-              <a:t>12/10/2021</a:t>
+              <a:t>23/11/2021</a:t>
             </a:fld>
             <a:endParaRPr lang="es-AR" dirty="0"/>
           </a:p>
@@ -2610,7 +2610,7 @@
           <a:p>
             <a:fld id="{F83ED8EA-CF69-45C9-8597-89BC314A185D}" type="datetimeFigureOut">
               <a:rPr lang="es-AR" smtClean="0"/>
-              <a:t>12/10/2021</a:t>
+              <a:t>23/11/2021</a:t>
             </a:fld>
             <a:endParaRPr lang="es-AR" dirty="0"/>
           </a:p>
@@ -2872,7 +2872,7 @@
           <a:p>
             <a:fld id="{F83ED8EA-CF69-45C9-8597-89BC314A185D}" type="datetimeFigureOut">
               <a:rPr lang="es-AR" smtClean="0"/>
-              <a:t>12/10/2021</a:t>
+              <a:t>23/11/2021</a:t>
             </a:fld>
             <a:endParaRPr lang="es-AR" dirty="0"/>
           </a:p>
@@ -3201,7 +3201,7 @@
           <a:p>
             <a:fld id="{F83ED8EA-CF69-45C9-8597-89BC314A185D}" type="datetimeFigureOut">
               <a:rPr lang="es-AR" smtClean="0"/>
-              <a:t>12/10/2021</a:t>
+              <a:t>23/11/2021</a:t>
             </a:fld>
             <a:endParaRPr lang="es-AR" dirty="0"/>
           </a:p>
@@ -3524,7 +3524,7 @@
           <a:p>
             <a:fld id="{F83ED8EA-CF69-45C9-8597-89BC314A185D}" type="datetimeFigureOut">
               <a:rPr lang="es-AR" smtClean="0"/>
-              <a:t>12/10/2021</a:t>
+              <a:t>23/11/2021</a:t>
             </a:fld>
             <a:endParaRPr lang="es-AR" dirty="0"/>
           </a:p>
@@ -3981,7 +3981,7 @@
           <a:p>
             <a:fld id="{F83ED8EA-CF69-45C9-8597-89BC314A185D}" type="datetimeFigureOut">
               <a:rPr lang="es-AR" smtClean="0"/>
-              <a:t>12/10/2021</a:t>
+              <a:t>23/11/2021</a:t>
             </a:fld>
             <a:endParaRPr lang="es-AR" dirty="0"/>
           </a:p>
@@ -4186,7 +4186,7 @@
           <a:p>
             <a:fld id="{F83ED8EA-CF69-45C9-8597-89BC314A185D}" type="datetimeFigureOut">
               <a:rPr lang="es-AR" smtClean="0"/>
-              <a:t>12/10/2021</a:t>
+              <a:t>23/11/2021</a:t>
             </a:fld>
             <a:endParaRPr lang="es-AR" dirty="0"/>
           </a:p>
@@ -4363,7 +4363,7 @@
           <a:p>
             <a:fld id="{F83ED8EA-CF69-45C9-8597-89BC314A185D}" type="datetimeFigureOut">
               <a:rPr lang="es-AR" smtClean="0"/>
-              <a:t>12/10/2021</a:t>
+              <a:t>23/11/2021</a:t>
             </a:fld>
             <a:endParaRPr lang="es-AR" dirty="0"/>
           </a:p>
@@ -4696,7 +4696,7 @@
           <a:p>
             <a:fld id="{F83ED8EA-CF69-45C9-8597-89BC314A185D}" type="datetimeFigureOut">
               <a:rPr lang="es-AR" smtClean="0"/>
-              <a:t>12/10/2021</a:t>
+              <a:t>23/11/2021</a:t>
             </a:fld>
             <a:endParaRPr lang="es-AR" dirty="0"/>
           </a:p>
@@ -5041,7 +5041,7 @@
           <a:p>
             <a:fld id="{F83ED8EA-CF69-45C9-8597-89BC314A185D}" type="datetimeFigureOut">
               <a:rPr lang="es-AR" smtClean="0"/>
-              <a:t>12/10/2021</a:t>
+              <a:t>23/11/2021</a:t>
             </a:fld>
             <a:endParaRPr lang="es-AR" dirty="0"/>
           </a:p>
@@ -7158,7 +7158,7 @@
           <a:p>
             <a:fld id="{F83ED8EA-CF69-45C9-8597-89BC314A185D}" type="datetimeFigureOut">
               <a:rPr lang="es-AR" smtClean="0"/>
-              <a:t>12/10/2021</a:t>
+              <a:t>23/11/2021</a:t>
             </a:fld>
             <a:endParaRPr lang="es-AR" dirty="0"/>
           </a:p>
@@ -9336,7 +9336,7 @@
                   <a:schemeClr val="tx1"/>
                 </a:solidFill>
               </a:rPr>
-              <a:t>REGISTRO</a:t>
+              <a:t>SUSCRIPCION</a:t>
             </a:r>
           </a:p>
         </p:txBody>
@@ -10051,6 +10051,96 @@
           </a:fontRef>
         </p:style>
       </p:cxnSp>
+      <p:cxnSp>
+        <p:nvCxnSpPr>
+          <p:cNvPr id="52" name="Conector recto de flecha 51">
+            <a:extLst>
+              <a:ext uri="{FF2B5EF4-FFF2-40B4-BE49-F238E27FC236}">
+                <a16:creationId xmlns:a16="http://schemas.microsoft.com/office/drawing/2014/main" id="{571EE28B-A6FB-41E4-83C9-B3F0ED6328DE}"/>
+              </a:ext>
+            </a:extLst>
+          </p:cNvPr>
+          <p:cNvCxnSpPr/>
+          <p:nvPr/>
+        </p:nvCxnSpPr>
+        <p:spPr>
+          <a:xfrm>
+            <a:off x="5293127" y="4836809"/>
+            <a:ext cx="6349" cy="236952"/>
+          </a:xfrm>
+          <a:prstGeom prst="straightConnector1">
+            <a:avLst/>
+          </a:prstGeom>
+          <a:ln>
+            <a:tailEnd type="triangle"/>
+          </a:ln>
+        </p:spPr>
+        <p:style>
+          <a:lnRef idx="1">
+            <a:schemeClr val="accent1"/>
+          </a:lnRef>
+          <a:fillRef idx="0">
+            <a:schemeClr val="accent1"/>
+          </a:fillRef>
+          <a:effectRef idx="0">
+            <a:schemeClr val="accent1"/>
+          </a:effectRef>
+          <a:fontRef idx="minor">
+            <a:schemeClr val="tx1"/>
+          </a:fontRef>
+        </p:style>
+      </p:cxnSp>
+      <p:sp>
+        <p:nvSpPr>
+          <p:cNvPr id="53" name="Diagrama de flujo: terminador 52">
+            <a:extLst>
+              <a:ext uri="{FF2B5EF4-FFF2-40B4-BE49-F238E27FC236}">
+                <a16:creationId xmlns:a16="http://schemas.microsoft.com/office/drawing/2014/main" id="{C5CCEB5A-5724-4494-AEC6-8506827D9498}"/>
+              </a:ext>
+            </a:extLst>
+          </p:cNvPr>
+          <p:cNvSpPr/>
+          <p:nvPr/>
+        </p:nvSpPr>
+        <p:spPr>
+          <a:xfrm>
+            <a:off x="4434971" y="5098089"/>
+            <a:ext cx="1795391" cy="607361"/>
+          </a:xfrm>
+          <a:prstGeom prst="flowChartTerminator">
+            <a:avLst/>
+          </a:prstGeom>
+        </p:spPr>
+        <p:style>
+          <a:lnRef idx="0">
+            <a:schemeClr val="accent3"/>
+          </a:lnRef>
+          <a:fillRef idx="3">
+            <a:schemeClr val="accent3"/>
+          </a:fillRef>
+          <a:effectRef idx="3">
+            <a:schemeClr val="accent3"/>
+          </a:effectRef>
+          <a:fontRef idx="minor">
+            <a:schemeClr val="lt1"/>
+          </a:fontRef>
+        </p:style>
+        <p:txBody>
+          <a:bodyPr rtlCol="0" anchor="ctr"/>
+          <a:lstStyle/>
+          <a:p>
+            <a:pPr algn="ctr"/>
+            <a:r>
+              <a:rPr lang="es-AR" sz="1600" b="1" dirty="0">
+                <a:solidFill>
+                  <a:schemeClr val="tx1"/>
+                </a:solidFill>
+              </a:rPr>
+              <a:t>Recuperación</a:t>
+            </a:r>
+          </a:p>
+        </p:txBody>
+      </p:sp>
     </p:spTree>
     <p:extLst>
       <p:ext uri="{BB962C8B-B14F-4D97-AF65-F5344CB8AC3E}">
